--- a/Artificial Intelligence - 7.pptx
+++ b/Artificial Intelligence - 7.pptx
@@ -5,10 +5,10 @@
     <p:sldMasterId id="2147483870" r:id="rId1"/>
   </p:sldMasterIdLst>
   <p:notesMasterIdLst>
-    <p:notesMasterId r:id="rId9"/>
+    <p:notesMasterId r:id="rId13"/>
   </p:notesMasterIdLst>
   <p:handoutMasterIdLst>
-    <p:handoutMasterId r:id="rId10"/>
+    <p:handoutMasterId r:id="rId14"/>
   </p:handoutMasterIdLst>
   <p:sldIdLst>
     <p:sldId id="390" r:id="rId2"/>
@@ -17,7 +17,11 @@
     <p:sldId id="391" r:id="rId5"/>
     <p:sldId id="354" r:id="rId6"/>
     <p:sldId id="392" r:id="rId7"/>
-    <p:sldId id="374" r:id="rId8"/>
+    <p:sldId id="395" r:id="rId8"/>
+    <p:sldId id="396" r:id="rId9"/>
+    <p:sldId id="397" r:id="rId10"/>
+    <p:sldId id="398" r:id="rId11"/>
+    <p:sldId id="374" r:id="rId12"/>
   </p:sldIdLst>
   <p:sldSz cx="12192000" cy="6858000"/>
   <p:notesSz cx="7315200" cy="9601200"/>
@@ -118,7 +122,7 @@
   </p:defaultTextStyle>
   <p:extLst>
     <p:ext uri="{EFAFB233-063F-42B5-8137-9DF3F51BA10A}">
-      <p15:sldGuideLst xmlns:p15="http://schemas.microsoft.com/office/powerpoint/2012/main" xmlns="">
+      <p15:sldGuideLst xmlns="" xmlns:p15="http://schemas.microsoft.com/office/powerpoint/2012/main">
         <p15:guide id="1" orient="horz" pos="2160">
           <p15:clr>
             <a:srgbClr val="A4A3A4"/>
@@ -132,7 +136,7 @@
       </p15:sldGuideLst>
     </p:ext>
     <p:ext uri="{2D200454-40CA-4A62-9FC3-DE9A4176ACB9}">
-      <p15:notesGuideLst xmlns:p15="http://schemas.microsoft.com/office/powerpoint/2012/main" xmlns="">
+      <p15:notesGuideLst xmlns="" xmlns:p15="http://schemas.microsoft.com/office/powerpoint/2012/main">
         <p15:guide id="1" orient="horz" pos="3024">
           <p15:clr>
             <a:srgbClr val="A4A3A4"/>
@@ -232,7 +236,7 @@
             <a:fld id="{C5EE45E9-197A-47B1-AEF3-F977D17F169E}" type="datetimeFigureOut">
               <a:rPr lang="en-US" smtClean="0"/>
               <a:pPr/>
-              <a:t>2/28/2024</a:t>
+              <a:t>3/12/2024</a:t>
             </a:fld>
             <a:endParaRPr lang="en-US"/>
           </a:p>
@@ -399,7 +403,7 @@
             <a:fld id="{5DAE0583-90E0-4DC7-97CC-66F8E7253EC8}" type="datetimeFigureOut">
               <a:rPr lang="en-US" smtClean="0"/>
               <a:pPr/>
-              <a:t>2/28/2024</a:t>
+              <a:t>3/12/2024</a:t>
             </a:fld>
             <a:endParaRPr lang="en-US"/>
           </a:p>
@@ -1414,7 +1418,7 @@
             <a:fld id="{2B7B289A-B170-474C-83BE-E43F8EECF514}" type="datetime1">
               <a:rPr lang="en-US" smtClean="0"/>
               <a:pPr/>
-              <a:t>2/28/2024</a:t>
+              <a:t>3/12/2024</a:t>
             </a:fld>
             <a:endParaRPr lang="en-US" dirty="0"/>
           </a:p>
@@ -1677,7 +1681,7 @@
             <a:fld id="{EE82F729-F9EB-46E1-B6CA-A9DC3E44D512}" type="datetime1">
               <a:rPr lang="en-US" smtClean="0"/>
               <a:pPr/>
-              <a:t>2/28/2024</a:t>
+              <a:t>3/12/2024</a:t>
             </a:fld>
             <a:endParaRPr lang="en-US" dirty="0"/>
           </a:p>
@@ -2001,7 +2005,7 @@
             <a:fld id="{EE82F729-F9EB-46E1-B6CA-A9DC3E44D512}" type="datetime1">
               <a:rPr lang="en-US" smtClean="0"/>
               <a:pPr/>
-              <a:t>2/28/2024</a:t>
+              <a:t>3/12/2024</a:t>
             </a:fld>
             <a:endParaRPr lang="en-US" dirty="0"/>
           </a:p>
@@ -2344,7 +2348,7 @@
             <a:fld id="{EE82F729-F9EB-46E1-B6CA-A9DC3E44D512}" type="datetime1">
               <a:rPr lang="en-US" smtClean="0"/>
               <a:pPr/>
-              <a:t>2/28/2024</a:t>
+              <a:t>3/12/2024</a:t>
             </a:fld>
             <a:endParaRPr lang="en-US" dirty="0"/>
           </a:p>
@@ -2668,7 +2672,7 @@
             <a:fld id="{EE82F729-F9EB-46E1-B6CA-A9DC3E44D512}" type="datetime1">
               <a:rPr lang="en-US" smtClean="0"/>
               <a:pPr/>
-              <a:t>2/28/2024</a:t>
+              <a:t>3/12/2024</a:t>
             </a:fld>
             <a:endParaRPr lang="en-US" dirty="0"/>
           </a:p>
@@ -3071,7 +3075,7 @@
             <a:fld id="{EE82F729-F9EB-46E1-B6CA-A9DC3E44D512}" type="datetime1">
               <a:rPr lang="en-US" smtClean="0"/>
               <a:pPr/>
-              <a:t>2/28/2024</a:t>
+              <a:t>3/12/2024</a:t>
             </a:fld>
             <a:endParaRPr lang="en-US" dirty="0"/>
           </a:p>
@@ -3251,7 +3255,7 @@
             <a:fld id="{5A08E5B7-8E49-49B7-9AF5-D247E978963C}" type="datetime1">
               <a:rPr lang="en-US" smtClean="0"/>
               <a:pPr/>
-              <a:t>2/28/2024</a:t>
+              <a:t>3/12/2024</a:t>
             </a:fld>
             <a:endParaRPr lang="en-US" dirty="0"/>
           </a:p>
@@ -3443,7 +3447,7 @@
             <a:fld id="{9C053B17-04CC-42A2-A241-5129679C85A6}" type="datetime1">
               <a:rPr lang="en-US" smtClean="0"/>
               <a:pPr/>
-              <a:t>2/28/2024</a:t>
+              <a:t>3/12/2024</a:t>
             </a:fld>
             <a:endParaRPr lang="en-US" dirty="0"/>
           </a:p>
@@ -3625,7 +3629,7 @@
             <a:fld id="{71B1DC2A-56D1-4C31-9B84-F9D15B143A33}" type="datetime1">
               <a:rPr lang="en-US" smtClean="0"/>
               <a:pPr/>
-              <a:t>2/28/2024</a:t>
+              <a:t>3/12/2024</a:t>
             </a:fld>
             <a:endParaRPr lang="en-US" dirty="0"/>
           </a:p>
@@ -3884,7 +3888,7 @@
             <a:fld id="{F7B65DBE-61D1-4D82-8498-7BFFAD803BD2}" type="datetime1">
               <a:rPr lang="en-US" smtClean="0"/>
               <a:pPr/>
-              <a:t>2/28/2024</a:t>
+              <a:t>3/12/2024</a:t>
             </a:fld>
             <a:endParaRPr lang="en-US" dirty="0"/>
           </a:p>
@@ -4128,7 +4132,7 @@
             <a:fld id="{124BA780-7598-4459-A56B-D5F18339AB95}" type="datetime1">
               <a:rPr lang="en-US" smtClean="0"/>
               <a:pPr/>
-              <a:t>2/28/2024</a:t>
+              <a:t>3/12/2024</a:t>
             </a:fld>
             <a:endParaRPr lang="en-US" dirty="0"/>
           </a:p>
@@ -4514,7 +4518,7 @@
             <a:fld id="{5A6A054B-9EDA-43CD-B58C-33F3FA6837D0}" type="datetime1">
               <a:rPr lang="en-US" smtClean="0"/>
               <a:pPr/>
-              <a:t>2/28/2024</a:t>
+              <a:t>3/12/2024</a:t>
             </a:fld>
             <a:endParaRPr lang="en-US" dirty="0"/>
           </a:p>
@@ -4649,7 +4653,7 @@
             <a:fld id="{1FBCB103-F5FD-428B-B1C8-7D2EEAB33FFC}" type="datetime1">
               <a:rPr lang="en-US" smtClean="0"/>
               <a:pPr/>
-              <a:t>2/28/2024</a:t>
+              <a:t>3/12/2024</a:t>
             </a:fld>
             <a:endParaRPr lang="en-US" dirty="0"/>
           </a:p>
@@ -4756,7 +4760,7 @@
             <a:fld id="{99EC991E-AB61-4D79-94B3-8A4F23AC4641}" type="datetime1">
               <a:rPr lang="en-US" smtClean="0"/>
               <a:pPr/>
-              <a:t>2/28/2024</a:t>
+              <a:t>3/12/2024</a:t>
             </a:fld>
             <a:endParaRPr lang="en-US" dirty="0"/>
           </a:p>
@@ -5023,7 +5027,7 @@
             <a:fld id="{F56C0871-8C3E-4CBE-9C42-C92608223F22}" type="datetime1">
               <a:rPr lang="en-US" smtClean="0"/>
               <a:pPr/>
-              <a:t>2/28/2024</a:t>
+              <a:t>3/12/2024</a:t>
             </a:fld>
             <a:endParaRPr lang="en-US" dirty="0"/>
           </a:p>
@@ -5341,7 +5345,7 @@
             <a:fld id="{6661CC78-3771-4E36-859D-28880DA8B573}" type="datetime1">
               <a:rPr lang="en-US" smtClean="0"/>
               <a:pPr/>
-              <a:t>2/28/2024</a:t>
+              <a:t>3/12/2024</a:t>
             </a:fld>
             <a:endParaRPr lang="en-US" dirty="0"/>
           </a:p>
@@ -6054,7 +6058,7 @@
             <a:fld id="{EE82F729-F9EB-46E1-B6CA-A9DC3E44D512}" type="datetime1">
               <a:rPr lang="en-US" smtClean="0"/>
               <a:pPr/>
-              <a:t>2/28/2024</a:t>
+              <a:t>3/12/2024</a:t>
             </a:fld>
             <a:endParaRPr lang="en-US" dirty="0"/>
           </a:p>
@@ -6748,6 +6752,209 @@
 </p:sld>
 </file>
 
+<file path=ppt/slides/slide10.xml><?xml version="1.0" encoding="utf-8"?>
+<p:sld xmlns:a="http://schemas.openxmlformats.org/drawingml/2006/main" xmlns:r="http://schemas.openxmlformats.org/officeDocument/2006/relationships" xmlns:p="http://schemas.openxmlformats.org/presentationml/2006/main">
+  <p:cSld>
+    <p:spTree>
+      <p:nvGrpSpPr>
+        <p:cNvPr id="1" name=""/>
+        <p:cNvGrpSpPr/>
+        <p:nvPr/>
+      </p:nvGrpSpPr>
+      <p:grpSpPr>
+        <a:xfrm>
+          <a:off x="0" y="0"/>
+          <a:ext cx="0" cy="0"/>
+          <a:chOff x="0" y="0"/>
+          <a:chExt cx="0" cy="0"/>
+        </a:xfrm>
+      </p:grpSpPr>
+      <p:sp>
+        <p:nvSpPr>
+          <p:cNvPr id="5" name="Slide Number Placeholder 4"/>
+          <p:cNvSpPr>
+            <a:spLocks noGrp="1"/>
+          </p:cNvSpPr>
+          <p:nvPr>
+            <p:ph type="sldNum" sz="quarter" idx="12"/>
+          </p:nvPr>
+        </p:nvSpPr>
+        <p:spPr/>
+        <p:txBody>
+          <a:bodyPr/>
+          <a:lstStyle/>
+          <a:p>
+            <a:fld id="{D57F1E4F-1CFF-5643-939E-217C01CDF565}" type="slidenum">
+              <a:rPr lang="en-US" smtClean="0"/>
+              <a:pPr/>
+              <a:t>10</a:t>
+            </a:fld>
+            <a:endParaRPr lang="en-US" dirty="0"/>
+          </a:p>
+        </p:txBody>
+      </p:sp>
+      <p:pic>
+        <p:nvPicPr>
+          <p:cNvPr id="1026" name="Picture 2" descr="C:\Users\DELL\Downloads\images (8).png"/>
+          <p:cNvPicPr>
+            <a:picLocks noChangeAspect="1" noChangeArrowheads="1"/>
+          </p:cNvPicPr>
+          <p:nvPr/>
+        </p:nvPicPr>
+        <p:blipFill>
+          <a:blip r:embed="rId2">
+            <a:extLst>
+              <a:ext uri="{28A0092B-C50C-407E-A947-70E740481C1C}">
+                <a14:useLocalDpi xmlns:a14="http://schemas.microsoft.com/office/drawing/2010/main" val="0"/>
+              </a:ext>
+            </a:extLst>
+          </a:blip>
+          <a:srcRect/>
+          <a:stretch>
+            <a:fillRect/>
+          </a:stretch>
+        </p:blipFill>
+        <p:spPr bwMode="auto">
+          <a:xfrm>
+            <a:off x="1818167" y="1003004"/>
+            <a:ext cx="6749238" cy="3374619"/>
+          </a:xfrm>
+          <a:prstGeom prst="rect">
+            <a:avLst/>
+          </a:prstGeom>
+          <a:noFill/>
+          <a:extLst>
+            <a:ext uri="{909E8E84-426E-40DD-AFC4-6F175D3DCCD1}">
+              <a14:hiddenFill xmlns:a14="http://schemas.microsoft.com/office/drawing/2010/main">
+                <a:solidFill>
+                  <a:srgbClr val="FFFFFF"/>
+                </a:solidFill>
+              </a14:hiddenFill>
+            </a:ext>
+          </a:extLst>
+        </p:spPr>
+      </p:pic>
+    </p:spTree>
+    <p:extLst>
+      <p:ext uri="{BB962C8B-B14F-4D97-AF65-F5344CB8AC3E}">
+        <p14:creationId xmlns:p14="http://schemas.microsoft.com/office/powerpoint/2010/main" val="2054267239"/>
+      </p:ext>
+    </p:extLst>
+  </p:cSld>
+  <p:clrMapOvr>
+    <a:masterClrMapping/>
+  </p:clrMapOvr>
+  <p:transition>
+    <p:wedge/>
+  </p:transition>
+</p:sld>
+</file>
+
+<file path=ppt/slides/slide11.xml><?xml version="1.0" encoding="utf-8"?>
+<p:sld xmlns:a="http://schemas.openxmlformats.org/drawingml/2006/main" xmlns:r="http://schemas.openxmlformats.org/officeDocument/2006/relationships" xmlns:p="http://schemas.openxmlformats.org/presentationml/2006/main">
+  <p:cSld>
+    <p:spTree>
+      <p:nvGrpSpPr>
+        <p:cNvPr id="1" name=""/>
+        <p:cNvGrpSpPr/>
+        <p:nvPr/>
+      </p:nvGrpSpPr>
+      <p:grpSpPr>
+        <a:xfrm>
+          <a:off x="0" y="0"/>
+          <a:ext cx="0" cy="0"/>
+          <a:chOff x="0" y="0"/>
+          <a:chExt cx="0" cy="0"/>
+        </a:xfrm>
+      </p:grpSpPr>
+      <p:sp>
+        <p:nvSpPr>
+          <p:cNvPr id="2" name="Title 1"/>
+          <p:cNvSpPr>
+            <a:spLocks noGrp="1"/>
+          </p:cNvSpPr>
+          <p:nvPr>
+            <p:ph type="title"/>
+          </p:nvPr>
+        </p:nvSpPr>
+        <p:spPr>
+          <a:xfrm>
+            <a:off x="742859" y="1070677"/>
+            <a:ext cx="8911687" cy="4483467"/>
+          </a:xfrm>
+        </p:spPr>
+        <p:txBody>
+          <a:bodyPr>
+            <a:normAutofit/>
+          </a:bodyPr>
+          <a:lstStyle/>
+          <a:p>
+            <a:pPr algn="ctr"/>
+            <a:r>
+              <a:rPr lang="en-US" sz="11500" dirty="0" smtClean="0">
+                <a:latin typeface="Curlz MT" pitchFamily="82" charset="0"/>
+              </a:rPr>
+              <a:t/>
+            </a:r>
+            <a:br>
+              <a:rPr lang="en-US" sz="11500" dirty="0" smtClean="0">
+                <a:latin typeface="Curlz MT" pitchFamily="82" charset="0"/>
+              </a:rPr>
+            </a:br>
+            <a:r>
+              <a:rPr lang="en-US" sz="11500" dirty="0" smtClean="0">
+                <a:latin typeface="Curlz MT" pitchFamily="82" charset="0"/>
+              </a:rPr>
+              <a:t>Thank You</a:t>
+            </a:r>
+            <a:endParaRPr lang="en-US" sz="9600" dirty="0">
+              <a:latin typeface="Curlz MT" pitchFamily="82" charset="0"/>
+            </a:endParaRPr>
+          </a:p>
+        </p:txBody>
+      </p:sp>
+      <p:sp>
+        <p:nvSpPr>
+          <p:cNvPr id="3" name="Slide Number Placeholder 2"/>
+          <p:cNvSpPr>
+            <a:spLocks noGrp="1"/>
+          </p:cNvSpPr>
+          <p:nvPr>
+            <p:ph type="sldNum" sz="quarter" idx="12"/>
+          </p:nvPr>
+        </p:nvSpPr>
+        <p:spPr/>
+        <p:txBody>
+          <a:bodyPr/>
+          <a:lstStyle/>
+          <a:p>
+            <a:fld id="{D57F1E4F-1CFF-5643-939E-217C01CDF565}" type="slidenum">
+              <a:rPr lang="en-US" smtClean="0"/>
+              <a:pPr/>
+              <a:t>11</a:t>
+            </a:fld>
+            <a:endParaRPr lang="en-US" dirty="0"/>
+          </a:p>
+        </p:txBody>
+      </p:sp>
+    </p:spTree>
+  </p:cSld>
+  <p:clrMapOvr>
+    <a:masterClrMapping/>
+  </p:clrMapOvr>
+  <p:transition>
+    <p:comb dir="vert"/>
+  </p:transition>
+  <p:timing>
+    <p:tnLst>
+      <p:par>
+        <p:cTn id="1" dur="indefinite" restart="never" nodeType="tmRoot"/>
+      </p:par>
+    </p:tnLst>
+  </p:timing>
+</p:sld>
+</file>
+
 <file path=ppt/slides/slide2.xml><?xml version="1.0" encoding="utf-8"?>
 <p:sld xmlns:a="http://schemas.openxmlformats.org/drawingml/2006/main" xmlns:r="http://schemas.openxmlformats.org/officeDocument/2006/relationships" xmlns:p="http://schemas.openxmlformats.org/presentationml/2006/main">
   <p:cSld>
@@ -6882,10 +7089,6 @@
               </a:rPr>
               <a:t>It involves encoding knowledge in a format that a computer can understand and manipulate to perform various tasks intelligently.</a:t>
             </a:r>
-            <a:endParaRPr lang="en-US" sz="2800" dirty="0">
-              <a:latin typeface="Times New Roman" pitchFamily="18" charset="0"/>
-              <a:cs typeface="Times New Roman" pitchFamily="18" charset="0"/>
-            </a:endParaRPr>
           </a:p>
         </p:txBody>
       </p:sp>
@@ -7463,6 +7666,20 @@
           <a:p>
             <a:pPr algn="just"/>
             <a:r>
+              <a:rPr lang="en-US" sz="2400" dirty="0">
+                <a:latin typeface="Times New Roman" pitchFamily="18" charset="0"/>
+                <a:cs typeface="Times New Roman" pitchFamily="18" charset="0"/>
+              </a:rPr>
+              <a:t>In AI, an ontology is a specification of the meanings of the symbols in an information system.</a:t>
+            </a:r>
+            <a:endParaRPr lang="en-US" sz="2400" dirty="0">
+              <a:latin typeface="Times New Roman" pitchFamily="18" charset="0"/>
+              <a:cs typeface="Times New Roman" pitchFamily="18" charset="0"/>
+            </a:endParaRPr>
+          </a:p>
+          <a:p>
+            <a:pPr algn="just"/>
+            <a:r>
               <a:rPr lang="en-US" sz="2400" dirty="0" smtClean="0">
                 <a:latin typeface="Times New Roman" pitchFamily="18" charset="0"/>
                 <a:cs typeface="Times New Roman" pitchFamily="18" charset="0"/>
@@ -7562,53 +7779,172 @@
       </p:grpSpPr>
       <p:sp>
         <p:nvSpPr>
-          <p:cNvPr id="2" name="Title 1"/>
-          <p:cNvSpPr>
-            <a:spLocks noGrp="1"/>
-          </p:cNvSpPr>
-          <p:nvPr>
-            <p:ph type="title"/>
+          <p:cNvPr id="3" name="Content Placeholder 2"/>
+          <p:cNvSpPr>
+            <a:spLocks noGrp="1"/>
+          </p:cNvSpPr>
+          <p:nvPr>
+            <p:ph sz="half" idx="1"/>
           </p:nvPr>
         </p:nvSpPr>
         <p:spPr>
           <a:xfrm>
-            <a:off x="742859" y="1070677"/>
-            <a:ext cx="8911687" cy="4483467"/>
+            <a:off x="602906" y="757091"/>
+            <a:ext cx="8083894" cy="3880772"/>
           </a:xfrm>
         </p:spPr>
         <p:txBody>
           <a:bodyPr>
-            <a:normAutofit/>
+            <a:normAutofit fontScale="85000" lnSpcReduction="20000"/>
           </a:bodyPr>
           <a:lstStyle/>
           <a:p>
-            <a:pPr algn="ctr"/>
-            <a:r>
-              <a:rPr lang="en-US" sz="11500" dirty="0" smtClean="0">
-                <a:latin typeface="Curlz MT" pitchFamily="82" charset="0"/>
+            <a:pPr algn="just"/>
+            <a:r>
+              <a:rPr lang="en-US" sz="2400" b="1" dirty="0">
+                <a:latin typeface="Times New Roman" pitchFamily="18" charset="0"/>
+                <a:cs typeface="Times New Roman" pitchFamily="18" charset="0"/>
               </a:rPr>
-              <a:t/>
-            </a:r>
-            <a:br>
-              <a:rPr lang="en-US" sz="11500" dirty="0" smtClean="0">
-                <a:latin typeface="Curlz MT" pitchFamily="82" charset="0"/>
+              <a:t>Case-Based Reasoning:</a:t>
+            </a:r>
+          </a:p>
+          <a:p>
+            <a:pPr algn="just"/>
+            <a:r>
+              <a:rPr lang="en-US" sz="2400" dirty="0" smtClean="0">
+                <a:latin typeface="Times New Roman" pitchFamily="18" charset="0"/>
+                <a:cs typeface="Times New Roman" pitchFamily="18" charset="0"/>
               </a:rPr>
-            </a:br>
-            <a:r>
-              <a:rPr lang="en-US" sz="11500" dirty="0" smtClean="0">
-                <a:latin typeface="Curlz MT" pitchFamily="82" charset="0"/>
+              <a:t>Case-Based </a:t>
+            </a:r>
+            <a:r>
+              <a:rPr lang="en-US" sz="2400" dirty="0">
+                <a:latin typeface="Times New Roman" pitchFamily="18" charset="0"/>
+                <a:cs typeface="Times New Roman" pitchFamily="18" charset="0"/>
               </a:rPr>
-              <a:t>Thank You</a:t>
-            </a:r>
-            <a:endParaRPr lang="en-US" sz="9600" dirty="0">
-              <a:latin typeface="Curlz MT" pitchFamily="82" charset="0"/>
+              <a:t>Reasoning is a problem-solving methodology that solves new problems by adapting solutions from similar past cases</a:t>
+            </a:r>
+            <a:r>
+              <a:rPr lang="en-US" sz="2400" dirty="0" smtClean="0">
+                <a:latin typeface="Times New Roman" pitchFamily="18" charset="0"/>
+                <a:cs typeface="Times New Roman" pitchFamily="18" charset="0"/>
+              </a:rPr>
+              <a:t>.</a:t>
+            </a:r>
+          </a:p>
+          <a:p>
+            <a:pPr algn="just"/>
+            <a:r>
+              <a:rPr lang="en-US" sz="2400" dirty="0" smtClean="0">
+                <a:latin typeface="Times New Roman" pitchFamily="18" charset="0"/>
+                <a:cs typeface="Times New Roman" pitchFamily="18" charset="0"/>
+              </a:rPr>
+              <a:t> </a:t>
+            </a:r>
+            <a:r>
+              <a:rPr lang="en-US" sz="2400" dirty="0">
+                <a:latin typeface="Times New Roman" pitchFamily="18" charset="0"/>
+                <a:cs typeface="Times New Roman" pitchFamily="18" charset="0"/>
+              </a:rPr>
+              <a:t>It involves retrieving, reusing, and revising solutions based on the similarity between current and past cases.  </a:t>
+            </a:r>
+            <a:endParaRPr lang="en-US" sz="2400" dirty="0" smtClean="0">
+              <a:latin typeface="Times New Roman" pitchFamily="18" charset="0"/>
+              <a:cs typeface="Times New Roman" pitchFamily="18" charset="0"/>
             </a:endParaRPr>
           </a:p>
-        </p:txBody>
-      </p:sp>
-      <p:sp>
-        <p:nvSpPr>
-          <p:cNvPr id="3" name="Slide Number Placeholder 2"/>
+          <a:p>
+            <a:pPr algn="just"/>
+            <a:r>
+              <a:rPr lang="en-US" sz="2400" b="1" dirty="0" smtClean="0">
+                <a:latin typeface="Times New Roman" pitchFamily="18" charset="0"/>
+                <a:cs typeface="Times New Roman" pitchFamily="18" charset="0"/>
+              </a:rPr>
+              <a:t> Steps </a:t>
+            </a:r>
+            <a:r>
+              <a:rPr lang="en-US" sz="2400" b="1" dirty="0">
+                <a:latin typeface="Times New Roman" pitchFamily="18" charset="0"/>
+                <a:cs typeface="Times New Roman" pitchFamily="18" charset="0"/>
+              </a:rPr>
+              <a:t>Involved</a:t>
+            </a:r>
+            <a:r>
+              <a:rPr lang="en-US" sz="2400" b="1" dirty="0" smtClean="0">
+                <a:latin typeface="Times New Roman" pitchFamily="18" charset="0"/>
+                <a:cs typeface="Times New Roman" pitchFamily="18" charset="0"/>
+              </a:rPr>
+              <a:t>: </a:t>
+            </a:r>
+            <a:r>
+              <a:rPr lang="en-US" sz="2400" dirty="0">
+                <a:latin typeface="Times New Roman" pitchFamily="18" charset="0"/>
+                <a:cs typeface="Times New Roman" pitchFamily="18" charset="0"/>
+              </a:rPr>
+              <a:t>Case-Based Reasoning typically involves four steps: case retrieval, case reuse, case revision, and case retention</a:t>
+            </a:r>
+            <a:r>
+              <a:rPr lang="en-US" sz="2400" dirty="0" smtClean="0">
+                <a:latin typeface="Times New Roman" pitchFamily="18" charset="0"/>
+                <a:cs typeface="Times New Roman" pitchFamily="18" charset="0"/>
+              </a:rPr>
+              <a:t>.</a:t>
+            </a:r>
+          </a:p>
+          <a:p>
+            <a:pPr algn="just"/>
+            <a:r>
+              <a:rPr lang="en-US" sz="2400" dirty="0" smtClean="0">
+                <a:latin typeface="Times New Roman" pitchFamily="18" charset="0"/>
+                <a:cs typeface="Times New Roman" pitchFamily="18" charset="0"/>
+              </a:rPr>
+              <a:t> </a:t>
+            </a:r>
+            <a:r>
+              <a:rPr lang="en-US" sz="2400" dirty="0">
+                <a:latin typeface="Times New Roman" pitchFamily="18" charset="0"/>
+                <a:cs typeface="Times New Roman" pitchFamily="18" charset="0"/>
+              </a:rPr>
+              <a:t>It relies on a repository of past cases and a similarity metric to find relevant solutions.  </a:t>
+            </a:r>
+            <a:endParaRPr lang="en-US" sz="2400" dirty="0" smtClean="0">
+              <a:latin typeface="Times New Roman" pitchFamily="18" charset="0"/>
+              <a:cs typeface="Times New Roman" pitchFamily="18" charset="0"/>
+            </a:endParaRPr>
+          </a:p>
+          <a:p>
+            <a:pPr algn="just"/>
+            <a:r>
+              <a:rPr lang="en-US" sz="2400" b="1" dirty="0" smtClean="0">
+                <a:latin typeface="Times New Roman" pitchFamily="18" charset="0"/>
+                <a:cs typeface="Times New Roman" pitchFamily="18" charset="0"/>
+              </a:rPr>
+              <a:t> Examples: </a:t>
+            </a:r>
+            <a:r>
+              <a:rPr lang="en-US" sz="2400" dirty="0" smtClean="0">
+                <a:latin typeface="Times New Roman" pitchFamily="18" charset="0"/>
+                <a:cs typeface="Times New Roman" pitchFamily="18" charset="0"/>
+              </a:rPr>
+              <a:t>Case-Based </a:t>
+            </a:r>
+            <a:r>
+              <a:rPr lang="en-US" sz="2400" dirty="0">
+                <a:latin typeface="Times New Roman" pitchFamily="18" charset="0"/>
+                <a:cs typeface="Times New Roman" pitchFamily="18" charset="0"/>
+              </a:rPr>
+              <a:t>Reasoning is used in applications such as diagnosis systems, customer support systems, and planning and scheduling systems.</a:t>
+            </a:r>
+            <a:endParaRPr lang="en-US" sz="2400" dirty="0">
+              <a:latin typeface="Times New Roman" pitchFamily="18" charset="0"/>
+              <a:cs typeface="Times New Roman" pitchFamily="18" charset="0"/>
+            </a:endParaRPr>
+          </a:p>
+        </p:txBody>
+      </p:sp>
+      <p:sp>
+        <p:nvSpPr>
+          <p:cNvPr id="5" name="Slide Number Placeholder 4"/>
           <p:cNvSpPr>
             <a:spLocks noGrp="1"/>
           </p:cNvSpPr>
@@ -7631,20 +7967,348 @@
         </p:txBody>
       </p:sp>
     </p:spTree>
+    <p:extLst>
+      <p:ext uri="{BB962C8B-B14F-4D97-AF65-F5344CB8AC3E}">
+        <p14:creationId xmlns:p14="http://schemas.microsoft.com/office/powerpoint/2010/main" val="2765003594"/>
+      </p:ext>
+    </p:extLst>
   </p:cSld>
   <p:clrMapOvr>
     <a:masterClrMapping/>
   </p:clrMapOvr>
   <p:transition>
-    <p:comb dir="vert"/>
+    <p:wedge/>
   </p:transition>
-  <p:timing>
-    <p:tnLst>
-      <p:par>
-        <p:cTn id="1" dur="indefinite" restart="never" nodeType="tmRoot"/>
-      </p:par>
-    </p:tnLst>
-  </p:timing>
+</p:sld>
+</file>
+
+<file path=ppt/slides/slide8.xml><?xml version="1.0" encoding="utf-8"?>
+<p:sld xmlns:a="http://schemas.openxmlformats.org/drawingml/2006/main" xmlns:r="http://schemas.openxmlformats.org/officeDocument/2006/relationships" xmlns:p="http://schemas.openxmlformats.org/presentationml/2006/main">
+  <p:cSld>
+    <p:spTree>
+      <p:nvGrpSpPr>
+        <p:cNvPr id="1" name=""/>
+        <p:cNvGrpSpPr/>
+        <p:nvPr/>
+      </p:nvGrpSpPr>
+      <p:grpSpPr>
+        <a:xfrm>
+          <a:off x="0" y="0"/>
+          <a:ext cx="0" cy="0"/>
+          <a:chOff x="0" y="0"/>
+          <a:chExt cx="0" cy="0"/>
+        </a:xfrm>
+      </p:grpSpPr>
+      <p:sp>
+        <p:nvSpPr>
+          <p:cNvPr id="3" name="Content Placeholder 2"/>
+          <p:cNvSpPr>
+            <a:spLocks noGrp="1"/>
+          </p:cNvSpPr>
+          <p:nvPr>
+            <p:ph sz="half" idx="1"/>
+          </p:nvPr>
+        </p:nvSpPr>
+        <p:spPr>
+          <a:xfrm>
+            <a:off x="602906" y="757091"/>
+            <a:ext cx="8083894" cy="3880772"/>
+          </a:xfrm>
+        </p:spPr>
+        <p:txBody>
+          <a:bodyPr>
+            <a:normAutofit fontScale="92500"/>
+          </a:bodyPr>
+          <a:lstStyle/>
+          <a:p>
+            <a:pPr algn="just"/>
+            <a:r>
+              <a:rPr lang="en-US" sz="2400" b="1" dirty="0">
+                <a:latin typeface="Times New Roman" pitchFamily="18" charset="0"/>
+                <a:cs typeface="Times New Roman" pitchFamily="18" charset="0"/>
+              </a:rPr>
+              <a:t>Blind </a:t>
+            </a:r>
+            <a:r>
+              <a:rPr lang="en-US" sz="2400" b="1" dirty="0" smtClean="0">
+                <a:latin typeface="Times New Roman" pitchFamily="18" charset="0"/>
+                <a:cs typeface="Times New Roman" pitchFamily="18" charset="0"/>
+              </a:rPr>
+              <a:t>Search</a:t>
+            </a:r>
+            <a:r>
+              <a:rPr lang="en-US" sz="2400" dirty="0">
+                <a:latin typeface="Times New Roman" pitchFamily="18" charset="0"/>
+                <a:cs typeface="Times New Roman" pitchFamily="18" charset="0"/>
+              </a:rPr>
+              <a:t>, also known as uninformed search, refers to a category of search algorithms used in artificial intelligence without any prior knowledge about the problem domain</a:t>
+            </a:r>
+            <a:r>
+              <a:rPr lang="en-US" sz="2400" dirty="0" smtClean="0">
+                <a:latin typeface="Times New Roman" pitchFamily="18" charset="0"/>
+                <a:cs typeface="Times New Roman" pitchFamily="18" charset="0"/>
+              </a:rPr>
+              <a:t>.</a:t>
+            </a:r>
+          </a:p>
+          <a:p>
+            <a:pPr algn="just"/>
+            <a:r>
+              <a:rPr lang="en-US" sz="2400" dirty="0" smtClean="0">
+                <a:latin typeface="Times New Roman" pitchFamily="18" charset="0"/>
+                <a:cs typeface="Times New Roman" pitchFamily="18" charset="0"/>
+              </a:rPr>
+              <a:t> </a:t>
+            </a:r>
+            <a:r>
+              <a:rPr lang="en-US" sz="2400" dirty="0">
+                <a:latin typeface="Times New Roman" pitchFamily="18" charset="0"/>
+                <a:cs typeface="Times New Roman" pitchFamily="18" charset="0"/>
+              </a:rPr>
+              <a:t>These algorithms explore the search space systematically without considering any additional information about the problem, such as the goal state or the structure of the problem space. </a:t>
+            </a:r>
+            <a:endParaRPr lang="en-US" sz="2400" dirty="0" smtClean="0">
+              <a:latin typeface="Times New Roman" pitchFamily="18" charset="0"/>
+              <a:cs typeface="Times New Roman" pitchFamily="18" charset="0"/>
+            </a:endParaRPr>
+          </a:p>
+          <a:p>
+            <a:pPr algn="just"/>
+            <a:r>
+              <a:rPr lang="en-US" sz="2400" dirty="0" smtClean="0">
+                <a:latin typeface="Times New Roman" pitchFamily="18" charset="0"/>
+                <a:cs typeface="Times New Roman" pitchFamily="18" charset="0"/>
+              </a:rPr>
+              <a:t>Blind </a:t>
+            </a:r>
+            <a:r>
+              <a:rPr lang="en-US" sz="2400" dirty="0">
+                <a:latin typeface="Times New Roman" pitchFamily="18" charset="0"/>
+                <a:cs typeface="Times New Roman" pitchFamily="18" charset="0"/>
+              </a:rPr>
+              <a:t>search algorithms are typically used when the problem space is too large or complex to analyze in advance, or when there is no additional information available to guide the search</a:t>
+            </a:r>
+            <a:endParaRPr lang="en-US" sz="2400" dirty="0">
+              <a:latin typeface="Times New Roman" pitchFamily="18" charset="0"/>
+              <a:cs typeface="Times New Roman" pitchFamily="18" charset="0"/>
+            </a:endParaRPr>
+          </a:p>
+        </p:txBody>
+      </p:sp>
+      <p:sp>
+        <p:nvSpPr>
+          <p:cNvPr id="5" name="Slide Number Placeholder 4"/>
+          <p:cNvSpPr>
+            <a:spLocks noGrp="1"/>
+          </p:cNvSpPr>
+          <p:nvPr>
+            <p:ph type="sldNum" sz="quarter" idx="12"/>
+          </p:nvPr>
+        </p:nvSpPr>
+        <p:spPr/>
+        <p:txBody>
+          <a:bodyPr/>
+          <a:lstStyle/>
+          <a:p>
+            <a:fld id="{D57F1E4F-1CFF-5643-939E-217C01CDF565}" type="slidenum">
+              <a:rPr lang="en-US" smtClean="0"/>
+              <a:pPr/>
+              <a:t>8</a:t>
+            </a:fld>
+            <a:endParaRPr lang="en-US" dirty="0"/>
+          </a:p>
+        </p:txBody>
+      </p:sp>
+    </p:spTree>
+    <p:extLst>
+      <p:ext uri="{BB962C8B-B14F-4D97-AF65-F5344CB8AC3E}">
+        <p14:creationId xmlns:p14="http://schemas.microsoft.com/office/powerpoint/2010/main" val="3810216715"/>
+      </p:ext>
+    </p:extLst>
+  </p:cSld>
+  <p:clrMapOvr>
+    <a:masterClrMapping/>
+  </p:clrMapOvr>
+  <p:transition>
+    <p:wedge/>
+  </p:transition>
+</p:sld>
+</file>
+
+<file path=ppt/slides/slide9.xml><?xml version="1.0" encoding="utf-8"?>
+<p:sld xmlns:a="http://schemas.openxmlformats.org/drawingml/2006/main" xmlns:r="http://schemas.openxmlformats.org/officeDocument/2006/relationships" xmlns:p="http://schemas.openxmlformats.org/presentationml/2006/main">
+  <p:cSld>
+    <p:spTree>
+      <p:nvGrpSpPr>
+        <p:cNvPr id="1" name=""/>
+        <p:cNvGrpSpPr/>
+        <p:nvPr/>
+      </p:nvGrpSpPr>
+      <p:grpSpPr>
+        <a:xfrm>
+          <a:off x="0" y="0"/>
+          <a:ext cx="0" cy="0"/>
+          <a:chOff x="0" y="0"/>
+          <a:chExt cx="0" cy="0"/>
+        </a:xfrm>
+      </p:grpSpPr>
+      <p:sp>
+        <p:nvSpPr>
+          <p:cNvPr id="3" name="Content Placeholder 2"/>
+          <p:cNvSpPr>
+            <a:spLocks noGrp="1"/>
+          </p:cNvSpPr>
+          <p:nvPr>
+            <p:ph sz="half" idx="1"/>
+          </p:nvPr>
+        </p:nvSpPr>
+        <p:spPr>
+          <a:xfrm>
+            <a:off x="602906" y="757091"/>
+            <a:ext cx="8083894" cy="3880772"/>
+          </a:xfrm>
+        </p:spPr>
+        <p:txBody>
+          <a:bodyPr>
+            <a:normAutofit fontScale="92500"/>
+          </a:bodyPr>
+          <a:lstStyle/>
+          <a:p>
+            <a:pPr algn="just"/>
+            <a:r>
+              <a:rPr lang="en-US" sz="2400" b="1" dirty="0">
+                <a:latin typeface="Times New Roman" pitchFamily="18" charset="0"/>
+                <a:cs typeface="Times New Roman" pitchFamily="18" charset="0"/>
+              </a:rPr>
+              <a:t>Breadth-First Search (BFS</a:t>
+            </a:r>
+            <a:r>
+              <a:rPr lang="en-US" sz="2400" b="1" dirty="0" smtClean="0">
+                <a:latin typeface="Times New Roman" pitchFamily="18" charset="0"/>
+                <a:cs typeface="Times New Roman" pitchFamily="18" charset="0"/>
+              </a:rPr>
+              <a:t>):</a:t>
+            </a:r>
+          </a:p>
+          <a:p>
+            <a:pPr algn="just"/>
+            <a:r>
+              <a:rPr lang="en-US" sz="2400" dirty="0" smtClean="0">
+                <a:latin typeface="Times New Roman" pitchFamily="18" charset="0"/>
+                <a:cs typeface="Times New Roman" pitchFamily="18" charset="0"/>
+              </a:rPr>
+              <a:t> </a:t>
+            </a:r>
+            <a:r>
+              <a:rPr lang="en-US" sz="2400" dirty="0">
+                <a:latin typeface="Times New Roman" pitchFamily="18" charset="0"/>
+                <a:cs typeface="Times New Roman" pitchFamily="18" charset="0"/>
+              </a:rPr>
+              <a:t>BFS explores the search space level by level, expanding all nodes at the current depth before moving on to nodes at the next depth. </a:t>
+            </a:r>
+            <a:endParaRPr lang="en-US" sz="2400" dirty="0" smtClean="0">
+              <a:latin typeface="Times New Roman" pitchFamily="18" charset="0"/>
+              <a:cs typeface="Times New Roman" pitchFamily="18" charset="0"/>
+            </a:endParaRPr>
+          </a:p>
+          <a:p>
+            <a:pPr algn="just"/>
+            <a:r>
+              <a:rPr lang="en-US" sz="2400" dirty="0" smtClean="0">
+                <a:latin typeface="Times New Roman" pitchFamily="18" charset="0"/>
+                <a:cs typeface="Times New Roman" pitchFamily="18" charset="0"/>
+              </a:rPr>
+              <a:t>It </a:t>
+            </a:r>
+            <a:r>
+              <a:rPr lang="en-US" sz="2400" dirty="0">
+                <a:latin typeface="Times New Roman" pitchFamily="18" charset="0"/>
+                <a:cs typeface="Times New Roman" pitchFamily="18" charset="0"/>
+              </a:rPr>
+              <a:t>guarantees the shortest path to the goal if the path costs are non-negative</a:t>
+            </a:r>
+            <a:r>
+              <a:rPr lang="en-US" sz="2400" dirty="0" smtClean="0">
+                <a:latin typeface="Times New Roman" pitchFamily="18" charset="0"/>
+                <a:cs typeface="Times New Roman" pitchFamily="18" charset="0"/>
+              </a:rPr>
+              <a:t>.</a:t>
+            </a:r>
+          </a:p>
+          <a:p>
+            <a:pPr algn="just"/>
+            <a:r>
+              <a:rPr lang="en-US" sz="2400" b="1" dirty="0">
+                <a:latin typeface="Times New Roman" pitchFamily="18" charset="0"/>
+                <a:cs typeface="Times New Roman" pitchFamily="18" charset="0"/>
+              </a:rPr>
+              <a:t>Depth-First Search (DFS): </a:t>
+            </a:r>
+            <a:endParaRPr lang="en-US" sz="2400" b="1" dirty="0" smtClean="0">
+              <a:latin typeface="Times New Roman" pitchFamily="18" charset="0"/>
+              <a:cs typeface="Times New Roman" pitchFamily="18" charset="0"/>
+            </a:endParaRPr>
+          </a:p>
+          <a:p>
+            <a:pPr algn="just"/>
+            <a:r>
+              <a:rPr lang="en-US" sz="2400" dirty="0" smtClean="0">
+                <a:latin typeface="Times New Roman" pitchFamily="18" charset="0"/>
+                <a:cs typeface="Times New Roman" pitchFamily="18" charset="0"/>
+              </a:rPr>
+              <a:t>DFS </a:t>
+            </a:r>
+            <a:r>
+              <a:rPr lang="en-US" sz="2400" dirty="0">
+                <a:latin typeface="Times New Roman" pitchFamily="18" charset="0"/>
+                <a:cs typeface="Times New Roman" pitchFamily="18" charset="0"/>
+              </a:rPr>
+              <a:t>explores the search space by traversing down a single branch of the search tree as far as possible before backtracking. It may get trapped in infinite loops if the search space contains cycles.</a:t>
+            </a:r>
+            <a:endParaRPr lang="en-US" sz="2400" dirty="0">
+              <a:latin typeface="Times New Roman" pitchFamily="18" charset="0"/>
+              <a:cs typeface="Times New Roman" pitchFamily="18" charset="0"/>
+            </a:endParaRPr>
+          </a:p>
+        </p:txBody>
+      </p:sp>
+      <p:sp>
+        <p:nvSpPr>
+          <p:cNvPr id="5" name="Slide Number Placeholder 4"/>
+          <p:cNvSpPr>
+            <a:spLocks noGrp="1"/>
+          </p:cNvSpPr>
+          <p:nvPr>
+            <p:ph type="sldNum" sz="quarter" idx="12"/>
+          </p:nvPr>
+        </p:nvSpPr>
+        <p:spPr/>
+        <p:txBody>
+          <a:bodyPr/>
+          <a:lstStyle/>
+          <a:p>
+            <a:fld id="{D57F1E4F-1CFF-5643-939E-217C01CDF565}" type="slidenum">
+              <a:rPr lang="en-US" smtClean="0"/>
+              <a:pPr/>
+              <a:t>9</a:t>
+            </a:fld>
+            <a:endParaRPr lang="en-US" dirty="0"/>
+          </a:p>
+        </p:txBody>
+      </p:sp>
+    </p:spTree>
+    <p:extLst>
+      <p:ext uri="{BB962C8B-B14F-4D97-AF65-F5344CB8AC3E}">
+        <p14:creationId xmlns:p14="http://schemas.microsoft.com/office/powerpoint/2010/main" val="2981891729"/>
+      </p:ext>
+    </p:extLst>
+  </p:cSld>
+  <p:clrMapOvr>
+    <a:masterClrMapping/>
+  </p:clrMapOvr>
+  <p:transition>
+    <p:wedge/>
+  </p:transition>
 </p:sld>
 </file>
 
@@ -7899,7 +8563,7 @@
   <a:extraClrSchemeLst/>
   <a:extLst>
     <a:ext uri="{05A4C25C-085E-4340-85A3-A5531E510DB2}">
-      <thm15:themeFamily xmlns:thm15="http://schemas.microsoft.com/office/thememl/2012/main" xmlns="" name="Facet" id="{C0C680CD-088A-49FC-A102-D699147F32B2}" vid="{0B5AB586-D108-4FC1-8368-649FE654B894}"/>
+      <thm15:themeFamily xmlns="" xmlns:thm15="http://schemas.microsoft.com/office/thememl/2012/main" name="Facet" id="{C0C680CD-088A-49FC-A102-D699147F32B2}" vid="{0B5AB586-D108-4FC1-8368-649FE654B894}"/>
     </a:ext>
   </a:extLst>
 </a:theme>
@@ -8160,7 +8824,7 @@
   <a:extraClrSchemeLst/>
   <a:extLst>
     <a:ext uri="{05A4C25C-085E-4340-85A3-A5531E510DB2}">
-      <thm15:themeFamily xmlns:thm15="http://schemas.microsoft.com/office/thememl/2012/main" xmlns="" name="Office Theme" id="{62F939B6-93AF-4DB8-9C6B-D6C7DFDC589F}" vid="{4A3C46E8-61CC-4603-A589-7422A47A8E4A}"/>
+      <thm15:themeFamily xmlns="" xmlns:thm15="http://schemas.microsoft.com/office/thememl/2012/main" name="Office Theme" id="{62F939B6-93AF-4DB8-9C6B-D6C7DFDC589F}" vid="{4A3C46E8-61CC-4603-A589-7422A47A8E4A}"/>
     </a:ext>
   </a:extLst>
 </a:theme>
@@ -8421,7 +9085,7 @@
   <a:extraClrSchemeLst/>
   <a:extLst>
     <a:ext uri="{05A4C25C-085E-4340-85A3-A5531E510DB2}">
-      <thm15:themeFamily xmlns:thm15="http://schemas.microsoft.com/office/thememl/2012/main" xmlns="" name="Office Theme" id="{62F939B6-93AF-4DB8-9C6B-D6C7DFDC589F}" vid="{4A3C46E8-61CC-4603-A589-7422A47A8E4A}"/>
+      <thm15:themeFamily xmlns="" xmlns:thm15="http://schemas.microsoft.com/office/thememl/2012/main" name="Office Theme" id="{62F939B6-93AF-4DB8-9C6B-D6C7DFDC589F}" vid="{4A3C46E8-61CC-4603-A589-7422A47A8E4A}"/>
     </a:ext>
   </a:extLst>
 </a:theme>
